--- a/MCU_project.pptx
+++ b/MCU_project.pptx
@@ -111,6 +111,11 @@
       </a:defRPr>
     </a:lvl9pPr>
   </p:defaultTextStyle>
+  <p:extLst>
+    <p:ext uri="{EFAFB233-063F-42B5-8137-9DF3F51BA10A}">
+      <p15:sldGuideLst xmlns:p15="http://schemas.microsoft.com/office/powerpoint/2012/main"/>
+    </p:ext>
+  </p:extLst>
 </p:presentation>
 </file>
 
@@ -297,7 +302,7 @@
           </a:lstStyle>
           <a:p>
             <a:r>
-              <a:rPr lang="zh-TW" altLang="en-US" smtClean="0"/>
+              <a:rPr lang="zh-TW" altLang="en-US"/>
               <a:t>按一下以編輯母片標題樣式</a:t>
             </a:r>
             <a:endParaRPr lang="en-US" dirty="0"/>
@@ -416,7 +421,7 @@
           </a:lstStyle>
           <a:p>
             <a:r>
-              <a:rPr lang="zh-TW" altLang="en-US" smtClean="0"/>
+              <a:rPr lang="zh-TW" altLang="en-US"/>
               <a:t>按一下以編輯母片副標題樣式</a:t>
             </a:r>
             <a:endParaRPr lang="en-US" dirty="0"/>
@@ -445,7 +450,7 @@
           <a:p>
             <a:fld id="{C157C7AA-446B-475C-BADA-5B5DE57EB477}" type="datetimeFigureOut">
               <a:rPr lang="zh-TW" altLang="en-US" smtClean="0"/>
-              <a:t>2017/1/23</a:t>
+              <a:t>2022/2/6</a:t>
             </a:fld>
             <a:endParaRPr lang="zh-TW" altLang="en-US"/>
           </a:p>
@@ -590,7 +595,7 @@
           </a:lstStyle>
           <a:p>
             <a:r>
-              <a:rPr lang="zh-TW" altLang="en-US" smtClean="0"/>
+              <a:rPr lang="zh-TW" altLang="en-US"/>
               <a:t>按一下以編輯母片標題樣式</a:t>
             </a:r>
             <a:endParaRPr lang="en-US" dirty="0"/>
@@ -678,7 +683,7 @@
           </a:lstStyle>
           <a:p>
             <a:r>
-              <a:rPr lang="zh-TW" altLang="en-US" smtClean="0"/>
+              <a:rPr lang="zh-TW" altLang="en-US"/>
               <a:t>按一下圖示以新增圖片</a:t>
             </a:r>
             <a:endParaRPr lang="en-US" dirty="0"/>
@@ -746,7 +751,7 @@
           <a:p>
             <a:pPr lvl="0"/>
             <a:r>
-              <a:rPr lang="zh-TW" altLang="en-US" smtClean="0"/>
+              <a:rPr lang="zh-TW" altLang="en-US"/>
               <a:t>編輯母片文字樣式</a:t>
             </a:r>
           </a:p>
@@ -769,7 +774,7 @@
           <a:p>
             <a:fld id="{C157C7AA-446B-475C-BADA-5B5DE57EB477}" type="datetimeFigureOut">
               <a:rPr lang="zh-TW" altLang="en-US" smtClean="0"/>
-              <a:t>2017/1/23</a:t>
+              <a:t>2022/2/6</a:t>
             </a:fld>
             <a:endParaRPr lang="zh-TW" altLang="en-US"/>
           </a:p>
@@ -874,7 +879,7 @@
           </a:lstStyle>
           <a:p>
             <a:r>
-              <a:rPr lang="zh-TW" altLang="en-US" smtClean="0"/>
+              <a:rPr lang="zh-TW" altLang="en-US"/>
               <a:t>按一下以編輯母片標題樣式</a:t>
             </a:r>
             <a:endParaRPr lang="en-US" dirty="0"/>
@@ -994,7 +999,7 @@
           <a:p>
             <a:pPr lvl="0"/>
             <a:r>
-              <a:rPr lang="zh-TW" altLang="en-US" smtClean="0"/>
+              <a:rPr lang="zh-TW" altLang="en-US"/>
               <a:t>編輯母片文字樣式</a:t>
             </a:r>
           </a:p>
@@ -1017,7 +1022,7 @@
           <a:p>
             <a:fld id="{C157C7AA-446B-475C-BADA-5B5DE57EB477}" type="datetimeFigureOut">
               <a:rPr lang="zh-TW" altLang="en-US" smtClean="0"/>
-              <a:t>2017/1/23</a:t>
+              <a:t>2022/2/6</a:t>
             </a:fld>
             <a:endParaRPr lang="zh-TW" altLang="en-US"/>
           </a:p>
@@ -1157,7 +1162,7 @@
           </a:lstStyle>
           <a:p>
             <a:r>
-              <a:rPr lang="zh-TW" altLang="en-US" smtClean="0"/>
+              <a:rPr lang="zh-TW" altLang="en-US"/>
               <a:t>按一下以編輯母片標題樣式</a:t>
             </a:r>
             <a:endParaRPr lang="en-US" dirty="0"/>
@@ -1214,7 +1219,7 @@
           <a:p>
             <a:pPr lvl="0"/>
             <a:r>
-              <a:rPr lang="zh-TW" altLang="en-US" smtClean="0"/>
+              <a:rPr lang="zh-TW" altLang="en-US"/>
               <a:t>編輯母片文字樣式</a:t>
             </a:r>
           </a:p>
@@ -1333,7 +1338,7 @@
           <a:p>
             <a:pPr lvl="0"/>
             <a:r>
-              <a:rPr lang="zh-TW" altLang="en-US" smtClean="0"/>
+              <a:rPr lang="zh-TW" altLang="en-US"/>
               <a:t>編輯母片文字樣式</a:t>
             </a:r>
           </a:p>
@@ -1356,7 +1361,7 @@
           <a:p>
             <a:fld id="{C157C7AA-446B-475C-BADA-5B5DE57EB477}" type="datetimeFigureOut">
               <a:rPr lang="zh-TW" altLang="en-US" smtClean="0"/>
-              <a:t>2017/1/23</a:t>
+              <a:t>2022/2/6</a:t>
             </a:fld>
             <a:endParaRPr lang="zh-TW" altLang="en-US"/>
           </a:p>
@@ -1560,7 +1565,7 @@
           </a:lstStyle>
           <a:p>
             <a:r>
-              <a:rPr lang="zh-TW" altLang="en-US" smtClean="0"/>
+              <a:rPr lang="zh-TW" altLang="en-US"/>
               <a:t>按一下以編輯母片標題樣式</a:t>
             </a:r>
             <a:endParaRPr lang="en-US" dirty="0"/>
@@ -1680,7 +1685,7 @@
           <a:p>
             <a:pPr lvl="0"/>
             <a:r>
-              <a:rPr lang="zh-TW" altLang="en-US" smtClean="0"/>
+              <a:rPr lang="zh-TW" altLang="en-US"/>
               <a:t>編輯母片文字樣式</a:t>
             </a:r>
           </a:p>
@@ -1703,7 +1708,7 @@
           <a:p>
             <a:fld id="{C157C7AA-446B-475C-BADA-5B5DE57EB477}" type="datetimeFigureOut">
               <a:rPr lang="zh-TW" altLang="en-US" smtClean="0"/>
-              <a:t>2017/1/23</a:t>
+              <a:t>2022/2/6</a:t>
             </a:fld>
             <a:endParaRPr lang="zh-TW" altLang="en-US"/>
           </a:p>
@@ -1812,7 +1817,7 @@
           </a:lstStyle>
           <a:p>
             <a:r>
-              <a:rPr lang="zh-TW" altLang="en-US" smtClean="0"/>
+              <a:rPr lang="zh-TW" altLang="en-US"/>
               <a:t>按一下以編輯母片標題樣式</a:t>
             </a:r>
             <a:endParaRPr lang="en-US" dirty="0"/>
@@ -1935,7 +1940,7 @@
           <a:p>
             <a:pPr lvl="0"/>
             <a:r>
-              <a:rPr lang="zh-TW" altLang="en-US" smtClean="0"/>
+              <a:rPr lang="zh-TW" altLang="en-US"/>
               <a:t>編輯母片文字樣式</a:t>
             </a:r>
           </a:p>
@@ -2054,7 +2059,7 @@
           <a:p>
             <a:pPr lvl="0"/>
             <a:r>
-              <a:rPr lang="zh-TW" altLang="en-US" smtClean="0"/>
+              <a:rPr lang="zh-TW" altLang="en-US"/>
               <a:t>編輯母片文字樣式</a:t>
             </a:r>
           </a:p>
@@ -2077,7 +2082,7 @@
           <a:p>
             <a:fld id="{C157C7AA-446B-475C-BADA-5B5DE57EB477}" type="datetimeFigureOut">
               <a:rPr lang="zh-TW" altLang="en-US" smtClean="0"/>
-              <a:t>2017/1/23</a:t>
+              <a:t>2022/2/6</a:t>
             </a:fld>
             <a:endParaRPr lang="zh-TW" altLang="en-US"/>
           </a:p>
@@ -2282,7 +2287,7 @@
           <a:p>
             <a:pPr marL="0" lvl="0"/>
             <a:r>
-              <a:rPr lang="zh-TW" altLang="en-US" smtClean="0"/>
+              <a:rPr lang="zh-TW" altLang="en-US"/>
               <a:t>按一下以編輯母片標題樣式</a:t>
             </a:r>
             <a:endParaRPr lang="en-US" dirty="0"/>
@@ -2405,7 +2410,7 @@
           <a:p>
             <a:pPr lvl="0"/>
             <a:r>
-              <a:rPr lang="zh-TW" altLang="en-US" smtClean="0"/>
+              <a:rPr lang="zh-TW" altLang="en-US"/>
               <a:t>編輯母片文字樣式</a:t>
             </a:r>
           </a:p>
@@ -2524,7 +2529,7 @@
           <a:p>
             <a:pPr lvl="0"/>
             <a:r>
-              <a:rPr lang="zh-TW" altLang="en-US" smtClean="0"/>
+              <a:rPr lang="zh-TW" altLang="en-US"/>
               <a:t>編輯母片文字樣式</a:t>
             </a:r>
           </a:p>
@@ -2547,7 +2552,7 @@
           <a:p>
             <a:fld id="{C157C7AA-446B-475C-BADA-5B5DE57EB477}" type="datetimeFigureOut">
               <a:rPr lang="zh-TW" altLang="en-US" smtClean="0"/>
-              <a:t>2017/1/23</a:t>
+              <a:t>2022/2/6</a:t>
             </a:fld>
             <a:endParaRPr lang="zh-TW" altLang="en-US"/>
           </a:p>
@@ -2676,7 +2681,7 @@
           </a:lstStyle>
           <a:p>
             <a:r>
-              <a:rPr lang="zh-TW" altLang="en-US" smtClean="0"/>
+              <a:rPr lang="zh-TW" altLang="en-US"/>
               <a:t>按一下以編輯母片標題樣式</a:t>
             </a:r>
             <a:endParaRPr lang="en-US" dirty="0"/>
@@ -2700,35 +2705,35 @@
           <a:p>
             <a:pPr lvl="0"/>
             <a:r>
-              <a:rPr lang="zh-TW" altLang="en-US" smtClean="0"/>
+              <a:rPr lang="zh-TW" altLang="en-US"/>
               <a:t>編輯母片文字樣式</a:t>
             </a:r>
           </a:p>
           <a:p>
             <a:pPr lvl="1"/>
             <a:r>
-              <a:rPr lang="zh-TW" altLang="en-US" smtClean="0"/>
+              <a:rPr lang="zh-TW" altLang="en-US"/>
               <a:t>第二層</a:t>
             </a:r>
           </a:p>
           <a:p>
             <a:pPr lvl="2"/>
             <a:r>
-              <a:rPr lang="zh-TW" altLang="en-US" smtClean="0"/>
+              <a:rPr lang="zh-TW" altLang="en-US"/>
               <a:t>第三層</a:t>
             </a:r>
           </a:p>
           <a:p>
             <a:pPr lvl="3"/>
             <a:r>
-              <a:rPr lang="zh-TW" altLang="en-US" smtClean="0"/>
+              <a:rPr lang="zh-TW" altLang="en-US"/>
               <a:t>第四層</a:t>
             </a:r>
           </a:p>
           <a:p>
             <a:pPr lvl="4"/>
             <a:r>
-              <a:rPr lang="zh-TW" altLang="en-US" smtClean="0"/>
+              <a:rPr lang="zh-TW" altLang="en-US"/>
               <a:t>第五層</a:t>
             </a:r>
             <a:endParaRPr lang="en-US" dirty="0"/>
@@ -2752,7 +2757,7 @@
           <a:p>
             <a:fld id="{C157C7AA-446B-475C-BADA-5B5DE57EB477}" type="datetimeFigureOut">
               <a:rPr lang="zh-TW" altLang="en-US" smtClean="0"/>
-              <a:t>2017/1/23</a:t>
+              <a:t>2022/2/6</a:t>
             </a:fld>
             <a:endParaRPr lang="zh-TW" altLang="en-US"/>
           </a:p>
@@ -2882,7 +2887,7 @@
           <a:lstStyle/>
           <a:p>
             <a:r>
-              <a:rPr lang="zh-TW" altLang="en-US" smtClean="0"/>
+              <a:rPr lang="zh-TW" altLang="en-US"/>
               <a:t>按一下以編輯母片標題樣式</a:t>
             </a:r>
             <a:endParaRPr lang="en-US" dirty="0"/>
@@ -2911,35 +2916,35 @@
           <a:p>
             <a:pPr lvl="0"/>
             <a:r>
-              <a:rPr lang="zh-TW" altLang="en-US" smtClean="0"/>
+              <a:rPr lang="zh-TW" altLang="en-US"/>
               <a:t>編輯母片文字樣式</a:t>
             </a:r>
           </a:p>
           <a:p>
             <a:pPr lvl="1"/>
             <a:r>
-              <a:rPr lang="zh-TW" altLang="en-US" smtClean="0"/>
+              <a:rPr lang="zh-TW" altLang="en-US"/>
               <a:t>第二層</a:t>
             </a:r>
           </a:p>
           <a:p>
             <a:pPr lvl="2"/>
             <a:r>
-              <a:rPr lang="zh-TW" altLang="en-US" smtClean="0"/>
+              <a:rPr lang="zh-TW" altLang="en-US"/>
               <a:t>第三層</a:t>
             </a:r>
           </a:p>
           <a:p>
             <a:pPr lvl="3"/>
             <a:r>
-              <a:rPr lang="zh-TW" altLang="en-US" smtClean="0"/>
+              <a:rPr lang="zh-TW" altLang="en-US"/>
               <a:t>第四層</a:t>
             </a:r>
           </a:p>
           <a:p>
             <a:pPr lvl="4"/>
             <a:r>
-              <a:rPr lang="zh-TW" altLang="en-US" smtClean="0"/>
+              <a:rPr lang="zh-TW" altLang="en-US"/>
               <a:t>第五層</a:t>
             </a:r>
             <a:endParaRPr lang="en-US" dirty="0"/>
@@ -2963,7 +2968,7 @@
           <a:p>
             <a:fld id="{C157C7AA-446B-475C-BADA-5B5DE57EB477}" type="datetimeFigureOut">
               <a:rPr lang="zh-TW" altLang="en-US" smtClean="0"/>
-              <a:t>2017/1/23</a:t>
+              <a:t>2022/2/6</a:t>
             </a:fld>
             <a:endParaRPr lang="zh-TW" altLang="en-US"/>
           </a:p>
@@ -3119,7 +3124,7 @@
           <a:lstStyle/>
           <a:p>
             <a:r>
-              <a:rPr lang="zh-TW" altLang="en-US" smtClean="0"/>
+              <a:rPr lang="zh-TW" altLang="en-US"/>
               <a:t>按一下以編輯母片標題樣式</a:t>
             </a:r>
             <a:endParaRPr lang="en-US" dirty="0"/>
@@ -3143,35 +3148,35 @@
           <a:p>
             <a:pPr lvl="0"/>
             <a:r>
-              <a:rPr lang="zh-TW" altLang="en-US" smtClean="0"/>
+              <a:rPr lang="zh-TW" altLang="en-US"/>
               <a:t>編輯母片文字樣式</a:t>
             </a:r>
           </a:p>
           <a:p>
             <a:pPr lvl="1"/>
             <a:r>
-              <a:rPr lang="zh-TW" altLang="en-US" smtClean="0"/>
+              <a:rPr lang="zh-TW" altLang="en-US"/>
               <a:t>第二層</a:t>
             </a:r>
           </a:p>
           <a:p>
             <a:pPr lvl="2"/>
             <a:r>
-              <a:rPr lang="zh-TW" altLang="en-US" smtClean="0"/>
+              <a:rPr lang="zh-TW" altLang="en-US"/>
               <a:t>第三層</a:t>
             </a:r>
           </a:p>
           <a:p>
             <a:pPr lvl="3"/>
             <a:r>
-              <a:rPr lang="zh-TW" altLang="en-US" smtClean="0"/>
+              <a:rPr lang="zh-TW" altLang="en-US"/>
               <a:t>第四層</a:t>
             </a:r>
           </a:p>
           <a:p>
             <a:pPr lvl="4"/>
             <a:r>
-              <a:rPr lang="zh-TW" altLang="en-US" smtClean="0"/>
+              <a:rPr lang="zh-TW" altLang="en-US"/>
               <a:t>第五層</a:t>
             </a:r>
             <a:endParaRPr lang="en-US" dirty="0"/>
@@ -3195,7 +3200,7 @@
           <a:p>
             <a:fld id="{C157C7AA-446B-475C-BADA-5B5DE57EB477}" type="datetimeFigureOut">
               <a:rPr lang="zh-TW" altLang="en-US" smtClean="0"/>
-              <a:t>2017/1/23</a:t>
+              <a:t>2022/2/6</a:t>
             </a:fld>
             <a:endParaRPr lang="zh-TW" altLang="en-US"/>
           </a:p>
@@ -3300,7 +3305,7 @@
           </a:lstStyle>
           <a:p>
             <a:r>
-              <a:rPr lang="zh-TW" altLang="en-US" smtClean="0"/>
+              <a:rPr lang="zh-TW" altLang="en-US"/>
               <a:t>按一下以編輯母片標題樣式</a:t>
             </a:r>
             <a:endParaRPr lang="en-US" dirty="0"/>
@@ -3420,7 +3425,7 @@
           <a:p>
             <a:pPr lvl="0"/>
             <a:r>
-              <a:rPr lang="zh-TW" altLang="en-US" smtClean="0"/>
+              <a:rPr lang="zh-TW" altLang="en-US"/>
               <a:t>編輯母片文字樣式</a:t>
             </a:r>
           </a:p>
@@ -3443,7 +3448,7 @@
           <a:p>
             <a:fld id="{C157C7AA-446B-475C-BADA-5B5DE57EB477}" type="datetimeFigureOut">
               <a:rPr lang="zh-TW" altLang="en-US" smtClean="0"/>
-              <a:t>2017/1/23</a:t>
+              <a:t>2022/2/6</a:t>
             </a:fld>
             <a:endParaRPr lang="zh-TW" altLang="en-US"/>
           </a:p>
@@ -3599,7 +3604,7 @@
           <a:lstStyle/>
           <a:p>
             <a:r>
-              <a:rPr lang="zh-TW" altLang="en-US" smtClean="0"/>
+              <a:rPr lang="zh-TW" altLang="en-US"/>
               <a:t>按一下以編輯母片標題樣式</a:t>
             </a:r>
             <a:endParaRPr lang="en-US" dirty="0"/>
@@ -3630,35 +3635,35 @@
           <a:p>
             <a:pPr lvl="0"/>
             <a:r>
-              <a:rPr lang="zh-TW" altLang="en-US" smtClean="0"/>
+              <a:rPr lang="zh-TW" altLang="en-US"/>
               <a:t>編輯母片文字樣式</a:t>
             </a:r>
           </a:p>
           <a:p>
             <a:pPr lvl="1"/>
             <a:r>
-              <a:rPr lang="zh-TW" altLang="en-US" smtClean="0"/>
+              <a:rPr lang="zh-TW" altLang="en-US"/>
               <a:t>第二層</a:t>
             </a:r>
           </a:p>
           <a:p>
             <a:pPr lvl="2"/>
             <a:r>
-              <a:rPr lang="zh-TW" altLang="en-US" smtClean="0"/>
+              <a:rPr lang="zh-TW" altLang="en-US"/>
               <a:t>第三層</a:t>
             </a:r>
           </a:p>
           <a:p>
             <a:pPr lvl="3"/>
             <a:r>
-              <a:rPr lang="zh-TW" altLang="en-US" smtClean="0"/>
+              <a:rPr lang="zh-TW" altLang="en-US"/>
               <a:t>第四層</a:t>
             </a:r>
           </a:p>
           <a:p>
             <a:pPr lvl="4"/>
             <a:r>
-              <a:rPr lang="zh-TW" altLang="en-US" smtClean="0"/>
+              <a:rPr lang="zh-TW" altLang="en-US"/>
               <a:t>第五層</a:t>
             </a:r>
             <a:endParaRPr lang="en-US" dirty="0"/>
@@ -3689,35 +3694,35 @@
           <a:p>
             <a:pPr lvl="0"/>
             <a:r>
-              <a:rPr lang="zh-TW" altLang="en-US" smtClean="0"/>
+              <a:rPr lang="zh-TW" altLang="en-US"/>
               <a:t>編輯母片文字樣式</a:t>
             </a:r>
           </a:p>
           <a:p>
             <a:pPr lvl="1"/>
             <a:r>
-              <a:rPr lang="zh-TW" altLang="en-US" smtClean="0"/>
+              <a:rPr lang="zh-TW" altLang="en-US"/>
               <a:t>第二層</a:t>
             </a:r>
           </a:p>
           <a:p>
             <a:pPr lvl="2"/>
             <a:r>
-              <a:rPr lang="zh-TW" altLang="en-US" smtClean="0"/>
+              <a:rPr lang="zh-TW" altLang="en-US"/>
               <a:t>第三層</a:t>
             </a:r>
           </a:p>
           <a:p>
             <a:pPr lvl="3"/>
             <a:r>
-              <a:rPr lang="zh-TW" altLang="en-US" smtClean="0"/>
+              <a:rPr lang="zh-TW" altLang="en-US"/>
               <a:t>第四層</a:t>
             </a:r>
           </a:p>
           <a:p>
             <a:pPr lvl="4"/>
             <a:r>
-              <a:rPr lang="zh-TW" altLang="en-US" smtClean="0"/>
+              <a:rPr lang="zh-TW" altLang="en-US"/>
               <a:t>第五層</a:t>
             </a:r>
             <a:endParaRPr lang="en-US" dirty="0"/>
@@ -3741,7 +3746,7 @@
           <a:p>
             <a:fld id="{C157C7AA-446B-475C-BADA-5B5DE57EB477}" type="datetimeFigureOut">
               <a:rPr lang="zh-TW" altLang="en-US" smtClean="0"/>
-              <a:t>2017/1/23</a:t>
+              <a:t>2022/2/6</a:t>
             </a:fld>
             <a:endParaRPr lang="zh-TW" altLang="en-US"/>
           </a:p>
@@ -3839,7 +3844,7 @@
           </a:lstStyle>
           <a:p>
             <a:r>
-              <a:rPr lang="zh-TW" altLang="en-US" smtClean="0"/>
+              <a:rPr lang="zh-TW" altLang="en-US"/>
               <a:t>按一下以編輯母片標題樣式</a:t>
             </a:r>
             <a:endParaRPr lang="en-US" dirty="0"/>
@@ -3917,7 +3922,7 @@
           <a:p>
             <a:pPr lvl="0"/>
             <a:r>
-              <a:rPr lang="zh-TW" altLang="en-US" smtClean="0"/>
+              <a:rPr lang="zh-TW" altLang="en-US"/>
               <a:t>編輯母片文字樣式</a:t>
             </a:r>
           </a:p>
@@ -3947,35 +3952,35 @@
           <a:p>
             <a:pPr lvl="0"/>
             <a:r>
-              <a:rPr lang="zh-TW" altLang="en-US" smtClean="0"/>
+              <a:rPr lang="zh-TW" altLang="en-US"/>
               <a:t>編輯母片文字樣式</a:t>
             </a:r>
           </a:p>
           <a:p>
             <a:pPr lvl="1"/>
             <a:r>
-              <a:rPr lang="zh-TW" altLang="en-US" smtClean="0"/>
+              <a:rPr lang="zh-TW" altLang="en-US"/>
               <a:t>第二層</a:t>
             </a:r>
           </a:p>
           <a:p>
             <a:pPr lvl="2"/>
             <a:r>
-              <a:rPr lang="zh-TW" altLang="en-US" smtClean="0"/>
+              <a:rPr lang="zh-TW" altLang="en-US"/>
               <a:t>第三層</a:t>
             </a:r>
           </a:p>
           <a:p>
             <a:pPr lvl="3"/>
             <a:r>
-              <a:rPr lang="zh-TW" altLang="en-US" smtClean="0"/>
+              <a:rPr lang="zh-TW" altLang="en-US"/>
               <a:t>第四層</a:t>
             </a:r>
           </a:p>
           <a:p>
             <a:pPr lvl="4"/>
             <a:r>
-              <a:rPr lang="zh-TW" altLang="en-US" smtClean="0"/>
+              <a:rPr lang="zh-TW" altLang="en-US"/>
               <a:t>第五層</a:t>
             </a:r>
             <a:endParaRPr lang="en-US" dirty="0"/>
@@ -4053,7 +4058,7 @@
           <a:p>
             <a:pPr lvl="0"/>
             <a:r>
-              <a:rPr lang="zh-TW" altLang="en-US" smtClean="0"/>
+              <a:rPr lang="zh-TW" altLang="en-US"/>
               <a:t>編輯母片文字樣式</a:t>
             </a:r>
           </a:p>
@@ -4083,35 +4088,35 @@
           <a:p>
             <a:pPr lvl="0"/>
             <a:r>
-              <a:rPr lang="zh-TW" altLang="en-US" smtClean="0"/>
+              <a:rPr lang="zh-TW" altLang="en-US"/>
               <a:t>編輯母片文字樣式</a:t>
             </a:r>
           </a:p>
           <a:p>
             <a:pPr lvl="1"/>
             <a:r>
-              <a:rPr lang="zh-TW" altLang="en-US" smtClean="0"/>
+              <a:rPr lang="zh-TW" altLang="en-US"/>
               <a:t>第二層</a:t>
             </a:r>
           </a:p>
           <a:p>
             <a:pPr lvl="2"/>
             <a:r>
-              <a:rPr lang="zh-TW" altLang="en-US" smtClean="0"/>
+              <a:rPr lang="zh-TW" altLang="en-US"/>
               <a:t>第三層</a:t>
             </a:r>
           </a:p>
           <a:p>
             <a:pPr lvl="3"/>
             <a:r>
-              <a:rPr lang="zh-TW" altLang="en-US" smtClean="0"/>
+              <a:rPr lang="zh-TW" altLang="en-US"/>
               <a:t>第四層</a:t>
             </a:r>
           </a:p>
           <a:p>
             <a:pPr lvl="4"/>
             <a:r>
-              <a:rPr lang="zh-TW" altLang="en-US" smtClean="0"/>
+              <a:rPr lang="zh-TW" altLang="en-US"/>
               <a:t>第五層</a:t>
             </a:r>
             <a:endParaRPr lang="en-US" dirty="0"/>
@@ -4135,7 +4140,7 @@
           <a:p>
             <a:fld id="{C157C7AA-446B-475C-BADA-5B5DE57EB477}" type="datetimeFigureOut">
               <a:rPr lang="zh-TW" altLang="en-US" smtClean="0"/>
-              <a:t>2017/1/23</a:t>
+              <a:t>2022/2/6</a:t>
             </a:fld>
             <a:endParaRPr lang="zh-TW" altLang="en-US"/>
           </a:p>
@@ -4260,7 +4265,7 @@
           <a:lstStyle/>
           <a:p>
             <a:r>
-              <a:rPr lang="zh-TW" altLang="en-US" smtClean="0"/>
+              <a:rPr lang="zh-TW" altLang="en-US"/>
               <a:t>按一下以編輯母片標題樣式</a:t>
             </a:r>
             <a:endParaRPr lang="en-US" dirty="0"/>
@@ -4284,7 +4289,7 @@
           <a:p>
             <a:fld id="{C157C7AA-446B-475C-BADA-5B5DE57EB477}" type="datetimeFigureOut">
               <a:rPr lang="zh-TW" altLang="en-US" smtClean="0"/>
-              <a:t>2017/1/23</a:t>
+              <a:t>2022/2/6</a:t>
             </a:fld>
             <a:endParaRPr lang="zh-TW" altLang="en-US"/>
           </a:p>
@@ -4410,7 +4415,7 @@
           <a:p>
             <a:fld id="{C157C7AA-446B-475C-BADA-5B5DE57EB477}" type="datetimeFigureOut">
               <a:rPr lang="zh-TW" altLang="en-US" smtClean="0"/>
-              <a:t>2017/1/23</a:t>
+              <a:t>2022/2/6</a:t>
             </a:fld>
             <a:endParaRPr lang="zh-TW" altLang="en-US"/>
           </a:p>
@@ -4515,7 +4520,7 @@
           </a:lstStyle>
           <a:p>
             <a:r>
-              <a:rPr lang="zh-TW" altLang="en-US" smtClean="0"/>
+              <a:rPr lang="zh-TW" altLang="en-US"/>
               <a:t>按一下以編輯母片標題樣式</a:t>
             </a:r>
             <a:endParaRPr lang="en-US" dirty="0"/>
@@ -4546,35 +4551,35 @@
           <a:p>
             <a:pPr lvl="0"/>
             <a:r>
-              <a:rPr lang="zh-TW" altLang="en-US" smtClean="0"/>
+              <a:rPr lang="zh-TW" altLang="en-US"/>
               <a:t>編輯母片文字樣式</a:t>
             </a:r>
           </a:p>
           <a:p>
             <a:pPr lvl="1"/>
             <a:r>
-              <a:rPr lang="zh-TW" altLang="en-US" smtClean="0"/>
+              <a:rPr lang="zh-TW" altLang="en-US"/>
               <a:t>第二層</a:t>
             </a:r>
           </a:p>
           <a:p>
             <a:pPr lvl="2"/>
             <a:r>
-              <a:rPr lang="zh-TW" altLang="en-US" smtClean="0"/>
+              <a:rPr lang="zh-TW" altLang="en-US"/>
               <a:t>第三層</a:t>
             </a:r>
           </a:p>
           <a:p>
             <a:pPr lvl="3"/>
             <a:r>
-              <a:rPr lang="zh-TW" altLang="en-US" smtClean="0"/>
+              <a:rPr lang="zh-TW" altLang="en-US"/>
               <a:t>第四層</a:t>
             </a:r>
           </a:p>
           <a:p>
             <a:pPr lvl="4"/>
             <a:r>
-              <a:rPr lang="zh-TW" altLang="en-US" smtClean="0"/>
+              <a:rPr lang="zh-TW" altLang="en-US"/>
               <a:t>第五層</a:t>
             </a:r>
             <a:endParaRPr lang="en-US" dirty="0"/>
@@ -4642,7 +4647,7 @@
           <a:p>
             <a:pPr lvl="0"/>
             <a:r>
-              <a:rPr lang="zh-TW" altLang="en-US" smtClean="0"/>
+              <a:rPr lang="zh-TW" altLang="en-US"/>
               <a:t>編輯母片文字樣式</a:t>
             </a:r>
           </a:p>
@@ -4665,7 +4670,7 @@
           <a:p>
             <a:fld id="{C157C7AA-446B-475C-BADA-5B5DE57EB477}" type="datetimeFigureOut">
               <a:rPr lang="zh-TW" altLang="en-US" smtClean="0"/>
-              <a:t>2017/1/23</a:t>
+              <a:t>2022/2/6</a:t>
             </a:fld>
             <a:endParaRPr lang="zh-TW" altLang="en-US"/>
           </a:p>
@@ -4801,7 +4806,7 @@
           </a:lstStyle>
           <a:p>
             <a:r>
-              <a:rPr lang="zh-TW" altLang="en-US" smtClean="0"/>
+              <a:rPr lang="zh-TW" altLang="en-US"/>
               <a:t>按一下以編輯母片標題樣式</a:t>
             </a:r>
             <a:endParaRPr lang="en-US" dirty="0"/>
@@ -4889,7 +4894,7 @@
           </a:lstStyle>
           <a:p>
             <a:r>
-              <a:rPr lang="zh-TW" altLang="en-US" smtClean="0"/>
+              <a:rPr lang="zh-TW" altLang="en-US"/>
               <a:t>按一下圖示以新增圖片</a:t>
             </a:r>
             <a:endParaRPr lang="en-US" dirty="0"/>
@@ -4957,7 +4962,7 @@
           <a:p>
             <a:pPr lvl="0"/>
             <a:r>
-              <a:rPr lang="zh-TW" altLang="en-US" smtClean="0"/>
+              <a:rPr lang="zh-TW" altLang="en-US"/>
               <a:t>編輯母片文字樣式</a:t>
             </a:r>
           </a:p>
@@ -4980,7 +4985,7 @@
           <a:p>
             <a:fld id="{C157C7AA-446B-475C-BADA-5B5DE57EB477}" type="datetimeFigureOut">
               <a:rPr lang="zh-TW" altLang="en-US" smtClean="0"/>
-              <a:t>2017/1/23</a:t>
+              <a:t>2022/2/6</a:t>
             </a:fld>
             <a:endParaRPr lang="zh-TW" altLang="en-US"/>
           </a:p>
@@ -5227,7 +5232,7 @@
           <a:lstStyle/>
           <a:p>
             <a:r>
-              <a:rPr lang="zh-TW" altLang="en-US" smtClean="0"/>
+              <a:rPr lang="zh-TW" altLang="en-US"/>
               <a:t>按一下以編輯母片標題樣式</a:t>
             </a:r>
             <a:endParaRPr lang="en-US" dirty="0"/>
@@ -5261,35 +5266,35 @@
           <a:p>
             <a:pPr lvl="0"/>
             <a:r>
-              <a:rPr lang="zh-TW" altLang="en-US" smtClean="0"/>
+              <a:rPr lang="zh-TW" altLang="en-US"/>
               <a:t>編輯母片文字樣式</a:t>
             </a:r>
           </a:p>
           <a:p>
             <a:pPr lvl="1"/>
             <a:r>
-              <a:rPr lang="zh-TW" altLang="en-US" smtClean="0"/>
+              <a:rPr lang="zh-TW" altLang="en-US"/>
               <a:t>第二層</a:t>
             </a:r>
           </a:p>
           <a:p>
             <a:pPr lvl="2"/>
             <a:r>
-              <a:rPr lang="zh-TW" altLang="en-US" smtClean="0"/>
+              <a:rPr lang="zh-TW" altLang="en-US"/>
               <a:t>第三層</a:t>
             </a:r>
           </a:p>
           <a:p>
             <a:pPr lvl="3"/>
             <a:r>
-              <a:rPr lang="zh-TW" altLang="en-US" smtClean="0"/>
+              <a:rPr lang="zh-TW" altLang="en-US"/>
               <a:t>第四層</a:t>
             </a:r>
           </a:p>
           <a:p>
             <a:pPr lvl="4"/>
             <a:r>
-              <a:rPr lang="zh-TW" altLang="en-US" smtClean="0"/>
+              <a:rPr lang="zh-TW" altLang="en-US"/>
               <a:t>第五層</a:t>
             </a:r>
             <a:endParaRPr lang="en-US" dirty="0"/>
@@ -5331,7 +5336,7 @@
           <a:p>
             <a:fld id="{C157C7AA-446B-475C-BADA-5B5DE57EB477}" type="datetimeFigureOut">
               <a:rPr lang="zh-TW" altLang="en-US" smtClean="0"/>
-              <a:t>2017/1/23</a:t>
+              <a:t>2022/2/6</a:t>
             </a:fld>
             <a:endParaRPr lang="zh-TW" altLang="en-US"/>
           </a:p>
@@ -5895,8 +5900,16 @@
           <a:lstStyle/>
           <a:p>
             <a:r>
-              <a:rPr lang="zh-TW" altLang="en-US" dirty="0" smtClean="0"/>
-              <a:t>微處理機專題報告</a:t>
+              <a:rPr lang="en-US" altLang="zh-TW" dirty="0"/>
+              <a:t>MCU</a:t>
+            </a:r>
+            <a:r>
+              <a:rPr lang="zh-TW" altLang="en-US" dirty="0"/>
+              <a:t> </a:t>
+            </a:r>
+            <a:r>
+              <a:rPr lang="en-US" altLang="zh-TW"/>
+              <a:t>project</a:t>
             </a:r>
             <a:endParaRPr lang="zh-TW" altLang="en-US" dirty="0"/>
           </a:p>
@@ -5920,22 +5933,17 @@
           <a:lstStyle/>
           <a:p>
             <a:r>
-              <a:rPr lang="zh-TW" altLang="en-US" sz="5400" b="1" dirty="0" smtClean="0"/>
+              <a:rPr lang="zh-TW" altLang="en-US" sz="5400" b="1" dirty="0"/>
               <a:t>暗殺</a:t>
             </a:r>
             <a:r>
-              <a:rPr lang="zh-TW" altLang="en-US" sz="5400" b="1" dirty="0" smtClean="0">
+              <a:rPr lang="zh-TW" altLang="en-US" sz="5400" b="1" dirty="0">
                 <a:solidFill>
                   <a:srgbClr val="FF0000"/>
                 </a:solidFill>
               </a:rPr>
               <a:t>火柴人</a:t>
             </a:r>
-            <a:endParaRPr lang="zh-TW" altLang="en-US" sz="5400" b="1" dirty="0">
-              <a:solidFill>
-                <a:srgbClr val="FF0000"/>
-              </a:solidFill>
-            </a:endParaRPr>
           </a:p>
         </p:txBody>
       </p:sp>
@@ -5949,13 +5957,6 @@
   <p:clrMapOvr>
     <a:masterClrMapping/>
   </p:clrMapOvr>
-  <p:timing>
-    <p:tnLst>
-      <p:par>
-        <p:cTn id="1" dur="indefinite" restart="never" nodeType="tmRoot"/>
-      </p:par>
-    </p:tnLst>
-  </p:timing>
 </p:sld>
 </file>
 
@@ -5992,10 +5993,9 @@
           <a:lstStyle/>
           <a:p>
             <a:r>
-              <a:rPr lang="zh-TW" altLang="en-US" b="1" dirty="0" smtClean="0"/>
+              <a:rPr lang="zh-TW" altLang="en-US" b="1" dirty="0"/>
               <a:t>使用說明</a:t>
             </a:r>
-            <a:endParaRPr lang="zh-TW" altLang="en-US" b="1" dirty="0"/>
           </a:p>
         </p:txBody>
       </p:sp>
@@ -6017,94 +6017,97 @@
           <a:lstStyle/>
           <a:p>
             <a:r>
-              <a:rPr lang="zh-TW" altLang="en-US" sz="2400" dirty="0" smtClean="0"/>
-              <a:t>我所使用到的工具有 </a:t>
-            </a:r>
-            <a:r>
-              <a:rPr lang="en-US" altLang="zh-TW" sz="2400" dirty="0" smtClean="0"/>
+              <a:rPr lang="zh-TW" altLang="en-US" sz="2400" dirty="0"/>
+              <a:t>我所使用</a:t>
+            </a:r>
+            <a:r>
+              <a:rPr lang="zh-TW" altLang="en-US" sz="2400"/>
+              <a:t>到的元件有 </a:t>
+            </a:r>
+            <a:r>
+              <a:rPr lang="en-US" altLang="zh-TW" sz="2400" dirty="0"/>
               <a:t>:</a:t>
             </a:r>
             <a:r>
-              <a:rPr lang="zh-TW" altLang="en-US" sz="2400" dirty="0" smtClean="0"/>
+              <a:rPr lang="zh-TW" altLang="en-US" sz="2400" dirty="0"/>
               <a:t> </a:t>
             </a:r>
             <a:r>
-              <a:rPr lang="en-US" altLang="zh-TW" sz="2400" dirty="0" smtClean="0"/>
+              <a:rPr lang="en-US" altLang="zh-TW" sz="2400" dirty="0"/>
               <a:t>LCD , LED</a:t>
             </a:r>
             <a:r>
-              <a:rPr lang="zh-TW" altLang="en-US" sz="2400" dirty="0" smtClean="0"/>
+              <a:rPr lang="zh-TW" altLang="en-US" sz="2400" dirty="0"/>
               <a:t> </a:t>
             </a:r>
             <a:r>
-              <a:rPr lang="en-US" altLang="zh-TW" sz="2400" dirty="0" smtClean="0"/>
+              <a:rPr lang="en-US" altLang="zh-TW" sz="2400" dirty="0"/>
               <a:t>, 7</a:t>
             </a:r>
             <a:r>
-              <a:rPr lang="zh-TW" altLang="en-US" sz="2400" dirty="0" smtClean="0"/>
+              <a:rPr lang="zh-TW" altLang="en-US" sz="2400" dirty="0"/>
               <a:t>段顯示器以及蜂鳴器。</a:t>
             </a:r>
-            <a:endParaRPr lang="en-US" altLang="zh-TW" sz="2400" dirty="0" smtClean="0"/>
-          </a:p>
-          <a:p>
             <a:endParaRPr lang="en-US" altLang="zh-TW" sz="2400" dirty="0"/>
           </a:p>
           <a:p>
-            <a:r>
-              <a:rPr lang="en-US" altLang="zh-TW" sz="2400" dirty="0" smtClean="0"/>
+            <a:endParaRPr lang="en-US" altLang="zh-TW" sz="2400" dirty="0"/>
+          </a:p>
+          <a:p>
+            <a:r>
+              <a:rPr lang="en-US" altLang="zh-TW" sz="2400" dirty="0"/>
               <a:t>LED</a:t>
             </a:r>
             <a:r>
-              <a:rPr lang="zh-TW" altLang="en-US" sz="2400" dirty="0" smtClean="0"/>
+              <a:rPr lang="zh-TW" altLang="en-US" sz="2400" dirty="0"/>
               <a:t>代表關卡數，一共分成 </a:t>
             </a:r>
             <a:r>
-              <a:rPr lang="en-US" altLang="zh-TW" sz="2400" dirty="0" smtClean="0"/>
+              <a:rPr lang="en-US" altLang="zh-TW" sz="2400" dirty="0"/>
               <a:t>4</a:t>
             </a:r>
             <a:r>
-              <a:rPr lang="zh-TW" altLang="en-US" sz="2400" dirty="0" smtClean="0"/>
+              <a:rPr lang="zh-TW" altLang="en-US" sz="2400" dirty="0"/>
               <a:t> 關</a:t>
             </a:r>
-            <a:endParaRPr lang="en-US" altLang="zh-TW" sz="2400" dirty="0" smtClean="0"/>
-          </a:p>
-          <a:p>
-            <a:endParaRPr lang="en-US" altLang="zh-TW" sz="2400" dirty="0" smtClean="0"/>
-          </a:p>
-          <a:p>
-            <a:r>
-              <a:rPr lang="en-US" altLang="zh-TW" sz="2400" dirty="0" smtClean="0"/>
+            <a:endParaRPr lang="en-US" altLang="zh-TW" sz="2400" dirty="0"/>
+          </a:p>
+          <a:p>
+            <a:endParaRPr lang="en-US" altLang="zh-TW" sz="2400" dirty="0"/>
+          </a:p>
+          <a:p>
+            <a:r>
+              <a:rPr lang="en-US" altLang="zh-TW" sz="2400" dirty="0"/>
               <a:t>LCD</a:t>
             </a:r>
             <a:r>
-              <a:rPr lang="zh-TW" altLang="en-US" sz="2400" dirty="0" smtClean="0"/>
+              <a:rPr lang="zh-TW" altLang="en-US" sz="2400" dirty="0"/>
               <a:t>顯示遊戲畫面</a:t>
             </a:r>
-            <a:endParaRPr lang="en-US" altLang="zh-TW" sz="2400" dirty="0" smtClean="0"/>
-          </a:p>
-          <a:p>
             <a:endParaRPr lang="en-US" altLang="zh-TW" sz="2400" dirty="0"/>
           </a:p>
           <a:p>
-            <a:r>
-              <a:rPr lang="en-US" altLang="zh-TW" sz="2400" dirty="0" smtClean="0"/>
+            <a:endParaRPr lang="en-US" altLang="zh-TW" sz="2400" dirty="0"/>
+          </a:p>
+          <a:p>
+            <a:r>
+              <a:rPr lang="en-US" altLang="zh-TW" sz="2400" dirty="0"/>
               <a:t>7</a:t>
             </a:r>
             <a:r>
-              <a:rPr lang="zh-TW" altLang="en-US" sz="2400" dirty="0" smtClean="0"/>
+              <a:rPr lang="zh-TW" altLang="en-US" sz="2400" dirty="0"/>
               <a:t>段顯示器顯示分數及秒數</a:t>
             </a:r>
-            <a:endParaRPr lang="en-US" altLang="zh-TW" sz="2400" dirty="0" smtClean="0"/>
-          </a:p>
-          <a:p>
             <a:endParaRPr lang="en-US" altLang="zh-TW" sz="2400" dirty="0"/>
           </a:p>
           <a:p>
-            <a:r>
-              <a:rPr lang="zh-TW" altLang="en-US" sz="2400" dirty="0" smtClean="0"/>
+            <a:endParaRPr lang="en-US" altLang="zh-TW" sz="2400" dirty="0"/>
+          </a:p>
+          <a:p>
+            <a:r>
+              <a:rPr lang="zh-TW" altLang="en-US" sz="2400" dirty="0"/>
               <a:t>蜂鳴器則包含遊戲開始音效還有遊戲內音效</a:t>
             </a:r>
-            <a:endParaRPr lang="zh-TW" altLang="en-US" sz="2400" dirty="0"/>
           </a:p>
         </p:txBody>
       </p:sp>
@@ -6118,13 +6121,6 @@
   <p:clrMapOvr>
     <a:masterClrMapping/>
   </p:clrMapOvr>
-  <p:timing>
-    <p:tnLst>
-      <p:par>
-        <p:cTn id="1" dur="indefinite" restart="never" nodeType="tmRoot"/>
-      </p:par>
-    </p:tnLst>
-  </p:timing>
 </p:sld>
 </file>
 
@@ -6161,26 +6157,21 @@
           <a:lstStyle/>
           <a:p>
             <a:r>
-              <a:rPr lang="zh-TW" altLang="en-US" b="1" dirty="0" smtClean="0"/>
+              <a:rPr lang="zh-TW" altLang="en-US" b="1" dirty="0"/>
               <a:t>關卡一</a:t>
             </a:r>
             <a:r>
-              <a:rPr lang="zh-TW" altLang="en-US" dirty="0" smtClean="0"/>
+              <a:rPr lang="zh-TW" altLang="en-US" dirty="0"/>
+              <a:t>  </a:t>
+            </a:r>
+            <a:r>
+              <a:rPr lang="en-US" altLang="zh-TW" dirty="0"/>
               <a:t> </a:t>
             </a:r>
             <a:r>
               <a:rPr lang="zh-TW" altLang="en-US" dirty="0"/>
-              <a:t> </a:t>
-            </a:r>
-            <a:r>
-              <a:rPr lang="en-US" altLang="zh-TW" dirty="0" smtClean="0"/>
-              <a:t> </a:t>
-            </a:r>
-            <a:r>
-              <a:rPr lang="zh-TW" altLang="en-US" dirty="0" smtClean="0"/>
               <a:t>暗殺手撐著雨傘的人</a:t>
             </a:r>
-            <a:endParaRPr lang="zh-TW" altLang="en-US" dirty="0"/>
           </a:p>
         </p:txBody>
       </p:sp>
@@ -6236,21 +6227,21 @@
           <a:lstStyle/>
           <a:p>
             <a:r>
-              <a:rPr lang="zh-TW" altLang="en-US" dirty="0" smtClean="0"/>
+              <a:rPr lang="zh-TW" altLang="en-US" dirty="0"/>
               <a:t>規則 </a:t>
             </a:r>
             <a:r>
-              <a:rPr lang="en-US" altLang="zh-TW" dirty="0" smtClean="0"/>
+              <a:rPr lang="en-US" altLang="zh-TW" dirty="0"/>
               <a:t>:</a:t>
             </a:r>
           </a:p>
           <a:p>
             <a:r>
-              <a:rPr lang="zh-TW" altLang="en-US" dirty="0" smtClean="0"/>
+              <a:rPr lang="zh-TW" altLang="en-US" dirty="0"/>
               <a:t>數字鍵</a:t>
             </a:r>
             <a:r>
-              <a:rPr lang="en-US" altLang="zh-TW" dirty="0" smtClean="0">
+              <a:rPr lang="en-US" altLang="zh-TW" dirty="0">
                 <a:solidFill>
                   <a:srgbClr val="FF0000"/>
                 </a:solidFill>
@@ -6258,11 +6249,11 @@
               <a:t>4</a:t>
             </a:r>
             <a:r>
-              <a:rPr lang="zh-TW" altLang="en-US" dirty="0" smtClean="0"/>
+              <a:rPr lang="zh-TW" altLang="en-US" dirty="0"/>
               <a:t>和</a:t>
             </a:r>
             <a:r>
-              <a:rPr lang="en-US" altLang="zh-TW" dirty="0" smtClean="0">
+              <a:rPr lang="en-US" altLang="zh-TW" dirty="0">
                 <a:solidFill>
                   <a:srgbClr val="FF0000"/>
                 </a:solidFill>
@@ -6270,18 +6261,18 @@
               <a:t>6</a:t>
             </a:r>
             <a:r>
-              <a:rPr lang="zh-TW" altLang="en-US" dirty="0" smtClean="0"/>
+              <a:rPr lang="zh-TW" altLang="en-US" dirty="0"/>
               <a:t>代表</a:t>
             </a:r>
             <a:r>
-              <a:rPr lang="zh-TW" altLang="en-US" dirty="0" smtClean="0">
+              <a:rPr lang="zh-TW" altLang="en-US" dirty="0">
                 <a:solidFill>
                   <a:srgbClr val="FF0000"/>
                 </a:solidFill>
               </a:rPr>
               <a:t>左右</a:t>
             </a:r>
-            <a:endParaRPr lang="en-US" altLang="zh-TW" dirty="0" smtClean="0">
+            <a:endParaRPr lang="en-US" altLang="zh-TW" dirty="0">
               <a:solidFill>
                 <a:srgbClr val="FF0000"/>
               </a:solidFill>
@@ -6289,7 +6280,7 @@
           </a:p>
           <a:p>
             <a:r>
-              <a:rPr lang="en-US" altLang="zh-TW" dirty="0" smtClean="0">
+              <a:rPr lang="en-US" altLang="zh-TW" dirty="0">
                 <a:solidFill>
                   <a:srgbClr val="FF0000"/>
                 </a:solidFill>
@@ -6297,18 +6288,18 @@
               <a:t>5</a:t>
             </a:r>
             <a:r>
-              <a:rPr lang="zh-TW" altLang="en-US" dirty="0" smtClean="0"/>
+              <a:rPr lang="zh-TW" altLang="en-US" dirty="0"/>
               <a:t>代表</a:t>
             </a:r>
             <a:r>
-              <a:rPr lang="zh-TW" altLang="en-US" dirty="0" smtClean="0">
+              <a:rPr lang="zh-TW" altLang="en-US" dirty="0">
                 <a:solidFill>
                   <a:srgbClr val="FF0000"/>
                 </a:solidFill>
               </a:rPr>
               <a:t>狙擊</a:t>
             </a:r>
-            <a:endParaRPr lang="en-US" altLang="zh-TW" dirty="0" smtClean="0">
+            <a:endParaRPr lang="en-US" altLang="zh-TW" dirty="0">
               <a:solidFill>
                 <a:srgbClr val="FF0000"/>
               </a:solidFill>
@@ -6316,17 +6307,16 @@
           </a:p>
           <a:p>
             <a:r>
-              <a:rPr lang="zh-TW" altLang="en-US" dirty="0" smtClean="0"/>
+              <a:rPr lang="zh-TW" altLang="en-US" dirty="0"/>
               <a:t>必須在人走到最右邊</a:t>
             </a:r>
-            <a:endParaRPr lang="en-US" altLang="zh-TW" dirty="0" smtClean="0"/>
-          </a:p>
-          <a:p>
-            <a:r>
-              <a:rPr lang="zh-TW" altLang="en-US" dirty="0" smtClean="0"/>
+            <a:endParaRPr lang="en-US" altLang="zh-TW" dirty="0"/>
+          </a:p>
+          <a:p>
+            <a:r>
+              <a:rPr lang="zh-TW" altLang="en-US" dirty="0"/>
               <a:t>時完成狙擊，否則遊戲就結束了。</a:t>
             </a:r>
-            <a:endParaRPr lang="zh-TW" altLang="en-US" dirty="0"/>
           </a:p>
         </p:txBody>
       </p:sp>
@@ -6340,13 +6330,6 @@
   <p:clrMapOvr>
     <a:masterClrMapping/>
   </p:clrMapOvr>
-  <p:timing>
-    <p:tnLst>
-      <p:par>
-        <p:cTn id="1" dur="indefinite" restart="never" nodeType="tmRoot"/>
-      </p:par>
-    </p:tnLst>
-  </p:timing>
 </p:sld>
 </file>
 
@@ -6383,14 +6366,13 @@
           <a:lstStyle/>
           <a:p>
             <a:r>
-              <a:rPr lang="zh-TW" altLang="en-US" b="1" dirty="0" smtClean="0"/>
+              <a:rPr lang="zh-TW" altLang="en-US" b="1" dirty="0"/>
               <a:t>關卡二  </a:t>
             </a:r>
             <a:r>
-              <a:rPr lang="zh-TW" altLang="en-US" dirty="0" smtClean="0"/>
+              <a:rPr lang="zh-TW" altLang="en-US" dirty="0"/>
               <a:t>拯救想要自殺的人</a:t>
             </a:r>
-            <a:endParaRPr lang="zh-TW" altLang="en-US" dirty="0"/>
           </a:p>
         </p:txBody>
       </p:sp>
@@ -6446,67 +6428,47 @@
           <a:lstStyle/>
           <a:p>
             <a:r>
-              <a:rPr lang="zh-TW" altLang="en-US" dirty="0" smtClean="0"/>
+              <a:rPr lang="zh-TW" altLang="en-US" dirty="0"/>
               <a:t>規則 </a:t>
             </a:r>
             <a:r>
-              <a:rPr lang="en-US" altLang="zh-TW" dirty="0" smtClean="0"/>
+              <a:rPr lang="en-US" altLang="zh-TW" dirty="0"/>
               <a:t>:</a:t>
             </a:r>
             <a:r>
-              <a:rPr lang="zh-TW" altLang="en-US" dirty="0" smtClean="0"/>
+              <a:rPr lang="zh-TW" altLang="en-US" dirty="0"/>
               <a:t> </a:t>
             </a:r>
-            <a:endParaRPr lang="en-US" altLang="zh-TW" dirty="0" smtClean="0"/>
-          </a:p>
-          <a:p>
-            <a:r>
-              <a:rPr lang="zh-TW" altLang="en-US" dirty="0" smtClean="0"/>
+            <a:endParaRPr lang="en-US" altLang="zh-TW" dirty="0"/>
+          </a:p>
+          <a:p>
+            <a:r>
+              <a:rPr lang="zh-TW" altLang="en-US" dirty="0"/>
               <a:t>右上方有一條繩子</a:t>
             </a:r>
-            <a:endParaRPr lang="en-US" altLang="zh-TW" dirty="0" smtClean="0"/>
-          </a:p>
-          <a:p>
-            <a:r>
-              <a:rPr lang="zh-TW" altLang="en-US" dirty="0" smtClean="0"/>
-              <a:t>必</a:t>
-            </a:r>
+            <a:endParaRPr lang="en-US" altLang="zh-TW" dirty="0"/>
+          </a:p>
+          <a:p>
             <a:r>
               <a:rPr lang="zh-TW" altLang="en-US" dirty="0"/>
-              <a:t>需</a:t>
-            </a:r>
-            <a:r>
-              <a:rPr lang="zh-TW" altLang="en-US" dirty="0" smtClean="0"/>
-              <a:t>在他跳下去之前</a:t>
-            </a:r>
-            <a:endParaRPr lang="en-US" altLang="zh-TW" dirty="0" smtClean="0"/>
-          </a:p>
-          <a:p>
-            <a:r>
-              <a:rPr lang="zh-TW" altLang="en-US" dirty="0" smtClean="0"/>
-              <a:t>把</a:t>
-            </a:r>
+              <a:t>必需在他跳下去之前</a:t>
+            </a:r>
+            <a:endParaRPr lang="en-US" altLang="zh-TW" dirty="0"/>
+          </a:p>
+          <a:p>
             <a:r>
               <a:rPr lang="zh-TW" altLang="en-US" dirty="0"/>
-              <a:t>他</a:t>
-            </a:r>
-            <a:r>
-              <a:rPr lang="zh-TW" altLang="en-US" dirty="0" smtClean="0"/>
-              <a:t>拉起</a:t>
-            </a:r>
+              <a:t>把他拉起來</a:t>
+            </a:r>
+            <a:endParaRPr lang="en-US" altLang="zh-TW" dirty="0"/>
+          </a:p>
+          <a:p>
             <a:r>
               <a:rPr lang="zh-TW" altLang="en-US" dirty="0"/>
-              <a:t>來</a:t>
-            </a:r>
-            <a:endParaRPr lang="en-US" altLang="zh-TW" dirty="0" smtClean="0"/>
-          </a:p>
-          <a:p>
-            <a:r>
-              <a:rPr lang="zh-TW" altLang="en-US" dirty="0" smtClean="0"/>
               <a:t>數字鍵</a:t>
             </a:r>
             <a:r>
-              <a:rPr lang="en-US" altLang="zh-TW" dirty="0" smtClean="0">
+              <a:rPr lang="en-US" altLang="zh-TW" dirty="0">
                 <a:solidFill>
                   <a:srgbClr val="FF0000"/>
                 </a:solidFill>
@@ -6514,11 +6476,11 @@
               <a:t>4</a:t>
             </a:r>
             <a:r>
-              <a:rPr lang="zh-TW" altLang="en-US" dirty="0" smtClean="0"/>
+              <a:rPr lang="zh-TW" altLang="en-US" dirty="0"/>
               <a:t>和</a:t>
             </a:r>
             <a:r>
-              <a:rPr lang="en-US" altLang="zh-TW" dirty="0" smtClean="0">
+              <a:rPr lang="en-US" altLang="zh-TW" dirty="0">
                 <a:solidFill>
                   <a:srgbClr val="FF0000"/>
                 </a:solidFill>
@@ -6526,11 +6488,11 @@
               <a:t>6</a:t>
             </a:r>
             <a:r>
-              <a:rPr lang="zh-TW" altLang="en-US" dirty="0" smtClean="0"/>
+              <a:rPr lang="zh-TW" altLang="en-US" dirty="0"/>
               <a:t>控制繩子</a:t>
             </a:r>
             <a:r>
-              <a:rPr lang="zh-TW" altLang="en-US" dirty="0" smtClean="0">
+              <a:rPr lang="zh-TW" altLang="en-US" dirty="0">
                 <a:solidFill>
                   <a:srgbClr val="FF0000"/>
                 </a:solidFill>
@@ -6538,11 +6500,11 @@
               <a:t>左右</a:t>
             </a:r>
             <a:r>
-              <a:rPr lang="zh-TW" altLang="en-US" dirty="0" smtClean="0"/>
+              <a:rPr lang="zh-TW" altLang="en-US" dirty="0"/>
               <a:t>，數字鍵</a:t>
             </a:r>
             <a:r>
-              <a:rPr lang="en-US" altLang="zh-TW" dirty="0" smtClean="0">
+              <a:rPr lang="en-US" altLang="zh-TW" dirty="0">
                 <a:solidFill>
                   <a:srgbClr val="FF0000"/>
                 </a:solidFill>
@@ -6550,7 +6512,7 @@
               <a:t>8</a:t>
             </a:r>
             <a:r>
-              <a:rPr lang="zh-TW" altLang="en-US" dirty="0" smtClean="0">
+              <a:rPr lang="zh-TW" altLang="en-US" dirty="0">
                 <a:solidFill>
                   <a:srgbClr val="FF0000"/>
                 </a:solidFill>
@@ -6558,10 +6520,9 @@
               <a:t>拋繩子</a:t>
             </a:r>
             <a:r>
-              <a:rPr lang="zh-TW" altLang="en-US" dirty="0" smtClean="0"/>
+              <a:rPr lang="zh-TW" altLang="en-US" dirty="0"/>
               <a:t>。</a:t>
             </a:r>
-            <a:endParaRPr lang="zh-TW" altLang="en-US" dirty="0"/>
           </a:p>
         </p:txBody>
       </p:sp>
@@ -6575,13 +6536,6 @@
   <p:clrMapOvr>
     <a:masterClrMapping/>
   </p:clrMapOvr>
-  <p:timing>
-    <p:tnLst>
-      <p:par>
-        <p:cTn id="1" dur="indefinite" restart="never" nodeType="tmRoot"/>
-      </p:par>
-    </p:tnLst>
-  </p:timing>
 </p:sld>
 </file>
 
@@ -6623,14 +6577,13 @@
           <a:lstStyle/>
           <a:p>
             <a:r>
-              <a:rPr lang="zh-TW" altLang="en-US" b="1" dirty="0" smtClean="0"/>
+              <a:rPr lang="zh-TW" altLang="en-US" b="1" dirty="0"/>
               <a:t>關卡三  </a:t>
             </a:r>
             <a:r>
-              <a:rPr lang="zh-TW" altLang="en-US" dirty="0" smtClean="0"/>
+              <a:rPr lang="zh-TW" altLang="en-US" dirty="0"/>
               <a:t>限時接取</a:t>
             </a:r>
-            <a:endParaRPr lang="zh-TW" altLang="en-US" dirty="0"/>
           </a:p>
         </p:txBody>
       </p:sp>
@@ -6686,41 +6639,41 @@
           <a:lstStyle/>
           <a:p>
             <a:r>
-              <a:rPr lang="zh-TW" altLang="en-US" dirty="0" smtClean="0"/>
+              <a:rPr lang="zh-TW" altLang="en-US" dirty="0"/>
               <a:t>規則 </a:t>
             </a:r>
             <a:r>
-              <a:rPr lang="en-US" altLang="zh-TW" dirty="0" smtClean="0"/>
+              <a:rPr lang="en-US" altLang="zh-TW" dirty="0"/>
               <a:t>:</a:t>
             </a:r>
             <a:r>
-              <a:rPr lang="zh-TW" altLang="en-US" dirty="0" smtClean="0"/>
+              <a:rPr lang="zh-TW" altLang="en-US" dirty="0"/>
               <a:t> </a:t>
             </a:r>
-            <a:endParaRPr lang="en-US" altLang="zh-TW" dirty="0" smtClean="0"/>
-          </a:p>
-          <a:p>
-            <a:r>
-              <a:rPr lang="zh-TW" altLang="en-US" dirty="0" smtClean="0"/>
+            <a:endParaRPr lang="en-US" altLang="zh-TW" dirty="0"/>
+          </a:p>
+          <a:p>
+            <a:r>
+              <a:rPr lang="zh-TW" altLang="en-US" dirty="0"/>
               <a:t>這關用到</a:t>
             </a:r>
             <a:r>
-              <a:rPr lang="en-US" altLang="zh-TW" dirty="0" smtClean="0"/>
+              <a:rPr lang="en-US" altLang="zh-TW" dirty="0"/>
               <a:t>7</a:t>
             </a:r>
             <a:r>
-              <a:rPr lang="zh-TW" altLang="en-US" dirty="0" smtClean="0"/>
+              <a:rPr lang="zh-TW" altLang="en-US" dirty="0"/>
               <a:t>段顯示需接的球數和秒數</a:t>
             </a:r>
-            <a:endParaRPr lang="en-US" altLang="zh-TW" dirty="0" smtClean="0"/>
-          </a:p>
-          <a:p>
-            <a:r>
-              <a:rPr lang="zh-TW" altLang="en-US" dirty="0" smtClean="0"/>
+            <a:endParaRPr lang="en-US" altLang="zh-TW" dirty="0"/>
+          </a:p>
+          <a:p>
+            <a:r>
+              <a:rPr lang="zh-TW" altLang="en-US" dirty="0"/>
               <a:t>在</a:t>
             </a:r>
             <a:r>
-              <a:rPr lang="en-US" altLang="zh-TW" dirty="0" smtClean="0">
+              <a:rPr lang="en-US" altLang="zh-TW" dirty="0">
                 <a:solidFill>
                   <a:srgbClr val="FF0000"/>
                 </a:solidFill>
@@ -6728,7 +6681,7 @@
               <a:t>30</a:t>
             </a:r>
             <a:r>
-              <a:rPr lang="zh-TW" altLang="en-US" dirty="0" smtClean="0">
+              <a:rPr lang="zh-TW" altLang="en-US" dirty="0">
                 <a:solidFill>
                   <a:srgbClr val="FF0000"/>
                 </a:solidFill>
@@ -6736,7 +6689,7 @@
               <a:t>秒內需接到</a:t>
             </a:r>
             <a:r>
-              <a:rPr lang="en-US" altLang="zh-TW" dirty="0" smtClean="0">
+              <a:rPr lang="en-US" altLang="zh-TW" dirty="0">
                 <a:solidFill>
                   <a:srgbClr val="FF0000"/>
                 </a:solidFill>
@@ -6744,7 +6697,7 @@
               <a:t>5</a:t>
             </a:r>
             <a:r>
-              <a:rPr lang="zh-TW" altLang="en-US" dirty="0" smtClean="0">
+              <a:rPr lang="zh-TW" altLang="en-US" dirty="0">
                 <a:solidFill>
                   <a:srgbClr val="FF0000"/>
                 </a:solidFill>
@@ -6752,18 +6705,18 @@
               <a:t>顆球</a:t>
             </a:r>
             <a:r>
-              <a:rPr lang="zh-TW" altLang="en-US" dirty="0" smtClean="0"/>
+              <a:rPr lang="zh-TW" altLang="en-US" dirty="0"/>
               <a:t>，否則遊戲結束。</a:t>
             </a:r>
-            <a:endParaRPr lang="en-US" altLang="zh-TW" dirty="0" smtClean="0"/>
-          </a:p>
-          <a:p>
-            <a:r>
-              <a:rPr lang="zh-TW" altLang="en-US" dirty="0" smtClean="0"/>
+            <a:endParaRPr lang="en-US" altLang="zh-TW" dirty="0"/>
+          </a:p>
+          <a:p>
+            <a:r>
+              <a:rPr lang="zh-TW" altLang="en-US" dirty="0"/>
               <a:t>數字鍵</a:t>
             </a:r>
             <a:r>
-              <a:rPr lang="en-US" altLang="zh-TW" dirty="0" smtClean="0">
+              <a:rPr lang="en-US" altLang="zh-TW" dirty="0">
                 <a:solidFill>
                   <a:srgbClr val="FF0000"/>
                 </a:solidFill>
@@ -6771,11 +6724,11 @@
               <a:t>4</a:t>
             </a:r>
             <a:r>
-              <a:rPr lang="zh-TW" altLang="en-US" dirty="0" smtClean="0"/>
+              <a:rPr lang="zh-TW" altLang="en-US" dirty="0"/>
               <a:t>和</a:t>
             </a:r>
             <a:r>
-              <a:rPr lang="en-US" altLang="zh-TW" dirty="0" smtClean="0">
+              <a:rPr lang="en-US" altLang="zh-TW" dirty="0">
                 <a:solidFill>
                   <a:srgbClr val="FF0000"/>
                 </a:solidFill>
@@ -6783,10 +6736,9 @@
               <a:t>6</a:t>
             </a:r>
             <a:r>
-              <a:rPr lang="zh-TW" altLang="en-US" dirty="0" smtClean="0"/>
+              <a:rPr lang="zh-TW" altLang="en-US" dirty="0"/>
               <a:t>代表左右，上方那個是砲車，每次都在不同位置。</a:t>
             </a:r>
-            <a:endParaRPr lang="zh-TW" altLang="en-US" dirty="0"/>
           </a:p>
         </p:txBody>
       </p:sp>
@@ -6830,13 +6782,6 @@
   <p:clrMapOvr>
     <a:masterClrMapping/>
   </p:clrMapOvr>
-  <p:timing>
-    <p:tnLst>
-      <p:par>
-        <p:cTn id="1" dur="indefinite" restart="never" nodeType="tmRoot"/>
-      </p:par>
-    </p:tnLst>
-  </p:timing>
 </p:sld>
 </file>
 
@@ -6878,22 +6823,21 @@
           <a:lstStyle/>
           <a:p>
             <a:r>
-              <a:rPr lang="zh-TW" altLang="en-US" b="1" dirty="0" smtClean="0"/>
+              <a:rPr lang="zh-TW" altLang="en-US" b="1" dirty="0"/>
               <a:t>關卡</a:t>
             </a:r>
             <a:r>
-              <a:rPr lang="en-US" altLang="zh-TW" b="1" dirty="0" smtClean="0"/>
+              <a:rPr lang="en-US" altLang="zh-TW" b="1" dirty="0"/>
               <a:t>4</a:t>
             </a:r>
             <a:r>
-              <a:rPr lang="zh-TW" altLang="en-US" b="1" dirty="0" smtClean="0"/>
+              <a:rPr lang="zh-TW" altLang="en-US" b="1" dirty="0"/>
               <a:t>  </a:t>
             </a:r>
             <a:r>
-              <a:rPr lang="zh-TW" altLang="en-US" dirty="0" smtClean="0"/>
+              <a:rPr lang="zh-TW" altLang="en-US" dirty="0"/>
               <a:t>拯救要被殺的人</a:t>
             </a:r>
-            <a:endParaRPr lang="zh-TW" altLang="en-US" dirty="0"/>
           </a:p>
         </p:txBody>
       </p:sp>
@@ -6949,33 +6893,33 @@
           <a:lstStyle/>
           <a:p>
             <a:r>
-              <a:rPr lang="zh-TW" altLang="en-US" dirty="0" smtClean="0"/>
+              <a:rPr lang="zh-TW" altLang="en-US" dirty="0"/>
               <a:t>規則 </a:t>
             </a:r>
             <a:r>
-              <a:rPr lang="en-US" altLang="zh-TW" dirty="0" smtClean="0"/>
+              <a:rPr lang="en-US" altLang="zh-TW" dirty="0"/>
               <a:t>:</a:t>
             </a:r>
             <a:r>
-              <a:rPr lang="zh-TW" altLang="en-US" dirty="0" smtClean="0"/>
+              <a:rPr lang="zh-TW" altLang="en-US" dirty="0"/>
               <a:t> </a:t>
             </a:r>
-            <a:endParaRPr lang="en-US" altLang="zh-TW" dirty="0" smtClean="0"/>
-          </a:p>
-          <a:p>
-            <a:r>
-              <a:rPr lang="zh-TW" altLang="en-US" dirty="0" smtClean="0"/>
+            <a:endParaRPr lang="en-US" altLang="zh-TW" dirty="0"/>
+          </a:p>
+          <a:p>
+            <a:r>
+              <a:rPr lang="zh-TW" altLang="en-US" dirty="0"/>
               <a:t>可控制的為最左邊的人</a:t>
             </a:r>
-            <a:endParaRPr lang="en-US" altLang="zh-TW" dirty="0" smtClean="0"/>
-          </a:p>
-          <a:p>
-            <a:r>
-              <a:rPr lang="zh-TW" altLang="en-US" dirty="0" smtClean="0"/>
+            <a:endParaRPr lang="en-US" altLang="zh-TW" dirty="0"/>
+          </a:p>
+          <a:p>
+            <a:r>
+              <a:rPr lang="zh-TW" altLang="en-US" dirty="0"/>
               <a:t>數字鍵</a:t>
             </a:r>
             <a:r>
-              <a:rPr lang="en-US" altLang="zh-TW" dirty="0" smtClean="0">
+              <a:rPr lang="en-US" altLang="zh-TW" dirty="0">
                 <a:solidFill>
                   <a:srgbClr val="FF0000"/>
                 </a:solidFill>
@@ -6983,11 +6927,11 @@
               <a:t>4</a:t>
             </a:r>
             <a:r>
-              <a:rPr lang="zh-TW" altLang="en-US" dirty="0" smtClean="0"/>
+              <a:rPr lang="zh-TW" altLang="en-US" dirty="0"/>
               <a:t>和</a:t>
             </a:r>
             <a:r>
-              <a:rPr lang="en-US" altLang="zh-TW" dirty="0" smtClean="0">
+              <a:rPr lang="en-US" altLang="zh-TW" dirty="0">
                 <a:solidFill>
                   <a:srgbClr val="FF0000"/>
                 </a:solidFill>
@@ -6995,11 +6939,11 @@
               <a:t>6</a:t>
             </a:r>
             <a:r>
-              <a:rPr lang="zh-TW" altLang="en-US" dirty="0" smtClean="0"/>
+              <a:rPr lang="zh-TW" altLang="en-US" dirty="0"/>
               <a:t>代表</a:t>
             </a:r>
             <a:r>
-              <a:rPr lang="zh-TW" altLang="en-US" dirty="0" smtClean="0">
+              <a:rPr lang="zh-TW" altLang="en-US" dirty="0">
                 <a:solidFill>
                   <a:srgbClr val="FF0000"/>
                 </a:solidFill>
@@ -7007,11 +6951,11 @@
               <a:t>左右</a:t>
             </a:r>
             <a:r>
-              <a:rPr lang="zh-TW" altLang="en-US" dirty="0" smtClean="0"/>
+              <a:rPr lang="zh-TW" altLang="en-US" dirty="0"/>
               <a:t>，數字鍵</a:t>
             </a:r>
             <a:r>
-              <a:rPr lang="en-US" altLang="zh-TW" dirty="0" smtClean="0">
+              <a:rPr lang="en-US" altLang="zh-TW" dirty="0">
                 <a:solidFill>
                   <a:srgbClr val="FF0000"/>
                 </a:solidFill>
@@ -7019,11 +6963,11 @@
               <a:t>5</a:t>
             </a:r>
             <a:r>
-              <a:rPr lang="zh-TW" altLang="en-US" dirty="0" smtClean="0"/>
+              <a:rPr lang="zh-TW" altLang="en-US" dirty="0"/>
               <a:t>是</a:t>
             </a:r>
             <a:r>
-              <a:rPr lang="zh-TW" altLang="en-US" dirty="0" smtClean="0">
+              <a:rPr lang="zh-TW" altLang="en-US" dirty="0">
                 <a:solidFill>
                   <a:srgbClr val="FF0000"/>
                 </a:solidFill>
@@ -7031,26 +6975,25 @@
               <a:t>砍下</a:t>
             </a:r>
             <a:r>
-              <a:rPr lang="zh-TW" altLang="en-US" dirty="0" smtClean="0"/>
+              <a:rPr lang="zh-TW" altLang="en-US" dirty="0"/>
               <a:t>，</a:t>
             </a:r>
             <a:r>
-              <a:rPr lang="en-US" altLang="zh-TW" dirty="0" smtClean="0"/>
+              <a:rPr lang="en-US" altLang="zh-TW" dirty="0"/>
               <a:t>7</a:t>
             </a:r>
             <a:r>
-              <a:rPr lang="zh-TW" altLang="en-US" dirty="0" smtClean="0"/>
+              <a:rPr lang="zh-TW" altLang="en-US" dirty="0"/>
               <a:t>段顯示器代表剩餘秒數</a:t>
             </a:r>
             <a:r>
-              <a:rPr lang="en-US" altLang="zh-TW" dirty="0" smtClean="0"/>
+              <a:rPr lang="en-US" altLang="zh-TW" dirty="0"/>
               <a:t>5</a:t>
             </a:r>
             <a:r>
-              <a:rPr lang="zh-TW" altLang="en-US" dirty="0" smtClean="0"/>
+              <a:rPr lang="zh-TW" altLang="en-US" dirty="0"/>
               <a:t>秒，超過時間遊戲結束，如果成功砍到，就算闖關成功了。</a:t>
             </a:r>
-            <a:endParaRPr lang="zh-TW" altLang="en-US" dirty="0"/>
           </a:p>
         </p:txBody>
       </p:sp>
@@ -7064,13 +7007,6 @@
   <p:clrMapOvr>
     <a:masterClrMapping/>
   </p:clrMapOvr>
-  <p:timing>
-    <p:tnLst>
-      <p:par>
-        <p:cTn id="1" dur="indefinite" restart="never" nodeType="tmRoot"/>
-      </p:par>
-    </p:tnLst>
-  </p:timing>
 </p:sld>
 </file>
 
@@ -7114,10 +7050,9 @@
           <a:lstStyle/>
           <a:p>
             <a:r>
-              <a:rPr lang="zh-TW" altLang="en-US" b="1" dirty="0" smtClean="0"/>
+              <a:rPr lang="zh-TW" altLang="en-US" b="1" dirty="0"/>
               <a:t>   遊戲結束畫面                   遊戲破關畫面</a:t>
             </a:r>
-            <a:endParaRPr lang="zh-TW" altLang="en-US" b="1" dirty="0"/>
           </a:p>
         </p:txBody>
       </p:sp>
@@ -7190,13 +7125,6 @@
   <p:clrMapOvr>
     <a:masterClrMapping/>
   </p:clrMapOvr>
-  <p:timing>
-    <p:tnLst>
-      <p:par>
-        <p:cTn id="1" dur="indefinite" restart="never" nodeType="tmRoot"/>
-      </p:par>
-    </p:tnLst>
-  </p:timing>
 </p:sld>
 </file>
 
@@ -7233,10 +7161,9 @@
           <a:lstStyle/>
           <a:p>
             <a:r>
-              <a:rPr lang="zh-TW" altLang="en-US" b="1" dirty="0" smtClean="0"/>
+              <a:rPr lang="zh-TW" altLang="en-US" b="1" dirty="0"/>
               <a:t>心得</a:t>
             </a:r>
-            <a:endParaRPr lang="zh-TW" altLang="en-US" b="1" dirty="0"/>
           </a:p>
         </p:txBody>
       </p:sp>
@@ -7255,22 +7182,22 @@
           <a:bodyPr/>
           <a:lstStyle/>
           <a:p>
-            <a:endParaRPr lang="en-US" altLang="zh-TW" dirty="0" smtClean="0"/>
-          </a:p>
-          <a:p>
-            <a:r>
-              <a:rPr lang="zh-TW" altLang="en-US" dirty="0" smtClean="0"/>
+            <a:endParaRPr lang="en-US" altLang="zh-TW" dirty="0"/>
+          </a:p>
+          <a:p>
+            <a:r>
+              <a:rPr lang="zh-TW" altLang="en-US" dirty="0"/>
               <a:t>專題程式碼約</a:t>
             </a:r>
             <a:r>
-              <a:rPr lang="en-US" altLang="zh-TW" dirty="0" smtClean="0"/>
+              <a:rPr lang="en-US" altLang="zh-TW" dirty="0"/>
               <a:t>900</a:t>
             </a:r>
             <a:r>
-              <a:rPr lang="zh-TW" altLang="en-US" dirty="0" smtClean="0"/>
+              <a:rPr lang="zh-TW" altLang="en-US" dirty="0"/>
               <a:t>行，是我進資工系後寫過最大的程式，花了不少時間，但寫完真的很有成就感。在中間過程有很多的取捨，放下了不少念頭，但做出來的作品還可以接受，所以也算值得了。寫這種大型的程式時，不能想著要把它打完，要想我下一步要做什麼，一步一步來，不然會錯過很多的念頭，也可能錯失了成為好作品的機會。</a:t>
             </a:r>
-            <a:endParaRPr lang="en-US" altLang="zh-TW" dirty="0" smtClean="0"/>
+            <a:endParaRPr lang="en-US" altLang="zh-TW" dirty="0"/>
           </a:p>
         </p:txBody>
       </p:sp>
@@ -7284,13 +7211,6 @@
   <p:clrMapOvr>
     <a:masterClrMapping/>
   </p:clrMapOvr>
-  <p:timing>
-    <p:tnLst>
-      <p:par>
-        <p:cTn id="1" dur="indefinite" restart="never" nodeType="tmRoot"/>
-      </p:par>
-    </p:tnLst>
-  </p:timing>
 </p:sld>
 </file>
 
